--- a/Ch0_Introduction to the Class.pptx
+++ b/Ch0_Introduction to the Class.pptx
@@ -1,6 +1,6 @@
 
 <file path=ppt/presentation.xml><?xml version="1.0" encoding="utf-8"?>
-<p:presentation xmlns:a="http://schemas.openxmlformats.org/drawingml/2006/main" xmlns:r="http://schemas.openxmlformats.org/officeDocument/2006/relationships" xmlns:p="http://schemas.openxmlformats.org/presentationml/2006/main" saveSubsetFonts="1" autoCompressPictures="0">
+<p:presentation xmlns:a="http://schemas.openxmlformats.org/drawingml/2006/main" xmlns:r="http://schemas.openxmlformats.org/officeDocument/2006/relationships" xmlns:p="http://schemas.openxmlformats.org/presentationml/2006/main" embedTrueTypeFonts="1" saveSubsetFonts="1" autoCompressPictures="0">
   <p:sldMasterIdLst>
     <p:sldMasterId id="2147483662" r:id="rId1"/>
   </p:sldMasterIdLst>
@@ -648,22 +648,6 @@
           <pc:docMk/>
           <pc:sldMk cId="3815694222" sldId="281"/>
         </pc:sldMkLst>
-        <pc:spChg chg="mod">
-          <ac:chgData name="MINHO PARK" userId="ec1a24b1eb5f6df6" providerId="LiveId" clId="{39BB9CFE-E247-459C-AE71-08D7FD8E1CC7}" dt="2025-09-01T00:42:16.572" v="194" actId="20577"/>
-          <ac:spMkLst>
-            <pc:docMk/>
-            <pc:sldMk cId="3815694222" sldId="281"/>
-            <ac:spMk id="2" creationId="{14784C1E-DE64-42E7-7852-F6E4C7211CDC}"/>
-          </ac:spMkLst>
-        </pc:spChg>
-        <pc:spChg chg="mod">
-          <ac:chgData name="MINHO PARK" userId="ec1a24b1eb5f6df6" providerId="LiveId" clId="{39BB9CFE-E247-459C-AE71-08D7FD8E1CC7}" dt="2025-09-01T01:10:48.615" v="280" actId="20577"/>
-          <ac:spMkLst>
-            <pc:docMk/>
-            <pc:sldMk cId="3815694222" sldId="281"/>
-            <ac:spMk id="3" creationId="{EDD2ED12-9D5C-C430-015C-788F6991D207}"/>
-          </ac:spMkLst>
-        </pc:spChg>
       </pc:sldChg>
       <pc:sldChg chg="addSp delSp modSp add mod">
         <pc:chgData name="MINHO PARK" userId="ec1a24b1eb5f6df6" providerId="LiveId" clId="{39BB9CFE-E247-459C-AE71-08D7FD8E1CC7}" dt="2025-09-01T02:09:05.999" v="507" actId="1035"/>
@@ -671,22 +655,6 @@
           <pc:docMk/>
           <pc:sldMk cId="3225628892" sldId="282"/>
         </pc:sldMkLst>
-        <pc:spChg chg="del">
-          <ac:chgData name="MINHO PARK" userId="ec1a24b1eb5f6df6" providerId="LiveId" clId="{39BB9CFE-E247-459C-AE71-08D7FD8E1CC7}" dt="2025-09-01T01:32:50.552" v="282" actId="478"/>
-          <ac:spMkLst>
-            <pc:docMk/>
-            <pc:sldMk cId="3225628892" sldId="282"/>
-            <ac:spMk id="3" creationId="{5F84B157-5EE3-DC1D-926F-CA87B7E688FE}"/>
-          </ac:spMkLst>
-        </pc:spChg>
-        <pc:spChg chg="add del mod">
-          <ac:chgData name="MINHO PARK" userId="ec1a24b1eb5f6df6" providerId="LiveId" clId="{39BB9CFE-E247-459C-AE71-08D7FD8E1CC7}" dt="2025-09-01T01:32:51.756" v="283" actId="478"/>
-          <ac:spMkLst>
-            <pc:docMk/>
-            <pc:sldMk cId="3225628892" sldId="282"/>
-            <ac:spMk id="5" creationId="{E3C8C78C-B87C-B83A-EC0A-2B23F54EA0F8}"/>
-          </ac:spMkLst>
-        </pc:spChg>
         <pc:graphicFrameChg chg="add mod modGraphic">
           <ac:chgData name="MINHO PARK" userId="ec1a24b1eb5f6df6" providerId="LiveId" clId="{39BB9CFE-E247-459C-AE71-08D7FD8E1CC7}" dt="2025-09-01T02:09:05.999" v="507" actId="1035"/>
           <ac:graphicFrameMkLst>
@@ -807,7 +775,7 @@
           <a:p>
             <a:fld id="{8AEB4E0B-10DA-0748-9772-375F167C48C3}" type="datetimeFigureOut">
               <a:rPr lang="en-US" smtClean="0"/>
-              <a:t>9/1/2025</a:t>
+              <a:t>9/4/2025</a:t>
             </a:fld>
             <a:endParaRPr lang="en-US"/>
           </a:p>
